--- a/Kubernetes Workshop.pptx
+++ b/Kubernetes Workshop.pptx
@@ -8,7 +8,6 @@
     <p:sldId id="257" r:id="rId2"/>
     <p:sldId id="259" r:id="rId3"/>
     <p:sldId id="258" r:id="rId4"/>
-    <p:sldId id="260" r:id="rId5"/>
   </p:sldIdLst>
   <p:sldSz cx="12192000" cy="6858000"/>
   <p:notesSz cx="6858000" cy="9144000"/>
@@ -308,7 +307,7 @@
           <a:p>
             <a:fld id="{9CFC3084-F5C6-DE44-8B26-4CAAFAA93100}" type="datetimeFigureOut">
               <a:rPr lang="de-DE" smtClean="0"/>
-              <a:t>19.05.19</a:t>
+              <a:t>16.06.2019</a:t>
             </a:fld>
             <a:endParaRPr lang="de-DE"/>
           </a:p>
@@ -508,7 +507,7 @@
           <a:p>
             <a:fld id="{9CFC3084-F5C6-DE44-8B26-4CAAFAA93100}" type="datetimeFigureOut">
               <a:rPr lang="de-DE" smtClean="0"/>
-              <a:t>19.05.19</a:t>
+              <a:t>16.06.2019</a:t>
             </a:fld>
             <a:endParaRPr lang="de-DE"/>
           </a:p>
@@ -718,7 +717,7 @@
           <a:p>
             <a:fld id="{9CFC3084-F5C6-DE44-8B26-4CAAFAA93100}" type="datetimeFigureOut">
               <a:rPr lang="de-DE" smtClean="0"/>
-              <a:t>19.05.19</a:t>
+              <a:t>16.06.2019</a:t>
             </a:fld>
             <a:endParaRPr lang="de-DE"/>
           </a:p>
@@ -918,7 +917,7 @@
           <a:p>
             <a:fld id="{9CFC3084-F5C6-DE44-8B26-4CAAFAA93100}" type="datetimeFigureOut">
               <a:rPr lang="de-DE" smtClean="0"/>
-              <a:t>19.05.19</a:t>
+              <a:t>16.06.2019</a:t>
             </a:fld>
             <a:endParaRPr lang="de-DE"/>
           </a:p>
@@ -1194,7 +1193,7 @@
           <a:p>
             <a:fld id="{9CFC3084-F5C6-DE44-8B26-4CAAFAA93100}" type="datetimeFigureOut">
               <a:rPr lang="de-DE" smtClean="0"/>
-              <a:t>19.05.19</a:t>
+              <a:t>16.06.2019</a:t>
             </a:fld>
             <a:endParaRPr lang="de-DE"/>
           </a:p>
@@ -1462,7 +1461,7 @@
           <a:p>
             <a:fld id="{9CFC3084-F5C6-DE44-8B26-4CAAFAA93100}" type="datetimeFigureOut">
               <a:rPr lang="de-DE" smtClean="0"/>
-              <a:t>19.05.19</a:t>
+              <a:t>16.06.2019</a:t>
             </a:fld>
             <a:endParaRPr lang="de-DE"/>
           </a:p>
@@ -1877,7 +1876,7 @@
           <a:p>
             <a:fld id="{9CFC3084-F5C6-DE44-8B26-4CAAFAA93100}" type="datetimeFigureOut">
               <a:rPr lang="de-DE" smtClean="0"/>
-              <a:t>19.05.19</a:t>
+              <a:t>16.06.2019</a:t>
             </a:fld>
             <a:endParaRPr lang="de-DE"/>
           </a:p>
@@ -2019,7 +2018,7 @@
           <a:p>
             <a:fld id="{9CFC3084-F5C6-DE44-8B26-4CAAFAA93100}" type="datetimeFigureOut">
               <a:rPr lang="de-DE" smtClean="0"/>
-              <a:t>19.05.19</a:t>
+              <a:t>16.06.2019</a:t>
             </a:fld>
             <a:endParaRPr lang="de-DE"/>
           </a:p>
@@ -2132,7 +2131,7 @@
           <a:p>
             <a:fld id="{9CFC3084-F5C6-DE44-8B26-4CAAFAA93100}" type="datetimeFigureOut">
               <a:rPr lang="de-DE" smtClean="0"/>
-              <a:t>19.05.19</a:t>
+              <a:t>16.06.2019</a:t>
             </a:fld>
             <a:endParaRPr lang="de-DE"/>
           </a:p>
@@ -2445,7 +2444,7 @@
           <a:p>
             <a:fld id="{9CFC3084-F5C6-DE44-8B26-4CAAFAA93100}" type="datetimeFigureOut">
               <a:rPr lang="de-DE" smtClean="0"/>
-              <a:t>19.05.19</a:t>
+              <a:t>16.06.2019</a:t>
             </a:fld>
             <a:endParaRPr lang="de-DE"/>
           </a:p>
@@ -2734,7 +2733,7 @@
           <a:p>
             <a:fld id="{9CFC3084-F5C6-DE44-8B26-4CAAFAA93100}" type="datetimeFigureOut">
               <a:rPr lang="de-DE" smtClean="0"/>
-              <a:t>19.05.19</a:t>
+              <a:t>16.06.2019</a:t>
             </a:fld>
             <a:endParaRPr lang="de-DE"/>
           </a:p>
@@ -2977,7 +2976,7 @@
           <a:p>
             <a:fld id="{9CFC3084-F5C6-DE44-8B26-4CAAFAA93100}" type="datetimeFigureOut">
               <a:rPr lang="de-DE" smtClean="0"/>
-              <a:t>19.05.19</a:t>
+              <a:t>16.06.2019</a:t>
             </a:fld>
             <a:endParaRPr lang="de-DE"/>
           </a:p>
@@ -3894,126 +3893,6 @@
 </p:sld>
 </file>
 
-<file path=ppt/slides/slide4.xml><?xml version="1.0" encoding="utf-8"?>
-<p:sld xmlns:a="http://schemas.openxmlformats.org/drawingml/2006/main" xmlns:r="http://schemas.openxmlformats.org/officeDocument/2006/relationships" xmlns:p="http://schemas.openxmlformats.org/presentationml/2006/main">
-  <p:cSld>
-    <p:spTree>
-      <p:nvGrpSpPr>
-        <p:cNvPr id="1" name=""/>
-        <p:cNvGrpSpPr/>
-        <p:nvPr/>
-      </p:nvGrpSpPr>
-      <p:grpSpPr>
-        <a:xfrm>
-          <a:off x="0" y="0"/>
-          <a:ext cx="0" cy="0"/>
-          <a:chOff x="0" y="0"/>
-          <a:chExt cx="0" cy="0"/>
-        </a:xfrm>
-      </p:grpSpPr>
-      <p:sp>
-        <p:nvSpPr>
-          <p:cNvPr id="2" name="TextBox 1">
-            <a:extLst>
-              <a:ext uri="{FF2B5EF4-FFF2-40B4-BE49-F238E27FC236}">
-                <a16:creationId xmlns:a16="http://schemas.microsoft.com/office/drawing/2014/main" id="{0F399CA7-B0E2-2244-A230-3F1C48BED1D1}"/>
-              </a:ext>
-            </a:extLst>
-          </p:cNvPr>
-          <p:cNvSpPr txBox="1"/>
-          <p:nvPr/>
-        </p:nvSpPr>
-        <p:spPr>
-          <a:xfrm>
-            <a:off x="1444978" y="1128889"/>
-            <a:ext cx="9606844" cy="1754326"/>
-          </a:xfrm>
-          <a:prstGeom prst="rect">
-            <a:avLst/>
-          </a:prstGeom>
-          <a:noFill/>
-        </p:spPr>
-        <p:txBody>
-          <a:bodyPr wrap="square" rtlCol="0">
-            <a:spAutoFit/>
-          </a:bodyPr>
-          <a:lstStyle/>
-          <a:p>
-            <a:r>
-              <a:rPr lang="de-DE" sz="3600">
-                <a:latin typeface="Menlo" panose="020B0609030804020204" pitchFamily="49" charset="0"/>
-                <a:ea typeface="Menlo" panose="020B0609030804020204" pitchFamily="49" charset="0"/>
-                <a:cs typeface="Menlo" panose="020B0609030804020204" pitchFamily="49" charset="0"/>
-              </a:rPr>
-              <a:t>docker pull nginx</a:t>
-            </a:r>
-          </a:p>
-          <a:p>
-            <a:endParaRPr lang="de-DE" sz="3600">
-              <a:latin typeface="Menlo" panose="020B0609030804020204" pitchFamily="49" charset="0"/>
-              <a:ea typeface="Menlo" panose="020B0609030804020204" pitchFamily="49" charset="0"/>
-              <a:cs typeface="Menlo" panose="020B0609030804020204" pitchFamily="49" charset="0"/>
-            </a:endParaRPr>
-          </a:p>
-          <a:p>
-            <a:r>
-              <a:rPr lang="de-DE" sz="3600">
-                <a:latin typeface="Menlo" panose="020B0609030804020204" pitchFamily="49" charset="0"/>
-                <a:ea typeface="Menlo" panose="020B0609030804020204" pitchFamily="49" charset="0"/>
-                <a:cs typeface="Menlo" panose="020B0609030804020204" pitchFamily="49" charset="0"/>
-              </a:rPr>
-              <a:t>docker pull </a:t>
-            </a:r>
-            <a:r>
-              <a:rPr lang="de-DE" sz="3600">
-                <a:solidFill>
-                  <a:schemeClr val="bg1">
-                    <a:lumMod val="65000"/>
-                  </a:schemeClr>
-                </a:solidFill>
-                <a:latin typeface="Menlo" panose="020B0609030804020204" pitchFamily="49" charset="0"/>
-                <a:ea typeface="Menlo" panose="020B0609030804020204" pitchFamily="49" charset="0"/>
-                <a:cs typeface="Menlo" panose="020B0609030804020204" pitchFamily="49" charset="0"/>
-              </a:rPr>
-              <a:t>docker.io/</a:t>
-            </a:r>
-            <a:r>
-              <a:rPr lang="de-DE" sz="3600">
-                <a:latin typeface="Menlo" panose="020B0609030804020204" pitchFamily="49" charset="0"/>
-                <a:ea typeface="Menlo" panose="020B0609030804020204" pitchFamily="49" charset="0"/>
-                <a:cs typeface="Menlo" panose="020B0609030804020204" pitchFamily="49" charset="0"/>
-              </a:rPr>
-              <a:t>nginx</a:t>
-            </a:r>
-            <a:r>
-              <a:rPr lang="de-DE" sz="3600">
-                <a:solidFill>
-                  <a:schemeClr val="bg1">
-                    <a:lumMod val="65000"/>
-                  </a:schemeClr>
-                </a:solidFill>
-                <a:latin typeface="Menlo" panose="020B0609030804020204" pitchFamily="49" charset="0"/>
-                <a:ea typeface="Menlo" panose="020B0609030804020204" pitchFamily="49" charset="0"/>
-                <a:cs typeface="Menlo" panose="020B0609030804020204" pitchFamily="49" charset="0"/>
-              </a:rPr>
-              <a:t>:latest</a:t>
-            </a:r>
-          </a:p>
-        </p:txBody>
-      </p:sp>
-    </p:spTree>
-    <p:extLst>
-      <p:ext uri="{BB962C8B-B14F-4D97-AF65-F5344CB8AC3E}">
-        <p14:creationId xmlns:p14="http://schemas.microsoft.com/office/powerpoint/2010/main" val="335298120"/>
-      </p:ext>
-    </p:extLst>
-  </p:cSld>
-  <p:clrMapOvr>
-    <a:masterClrMapping/>
-  </p:clrMapOvr>
-</p:sld>
-</file>
-
 <file path=ppt/theme/theme1.xml><?xml version="1.0" encoding="utf-8"?>
 <a:theme xmlns:a="http://schemas.openxmlformats.org/drawingml/2006/main" name="Office Theme">
   <a:themeElements>
